--- a/spring-security.pptx
+++ b/spring-security.pptx
@@ -8,6 +8,11 @@
     <p:sldId id="257" r:id="rId2"/>
     <p:sldId id="258" r:id="rId3"/>
     <p:sldId id="259" r:id="rId4"/>
+    <p:sldId id="260" r:id="rId5"/>
+    <p:sldId id="261" r:id="rId6"/>
+    <p:sldId id="262" r:id="rId7"/>
+    <p:sldId id="263" r:id="rId8"/>
+    <p:sldId id="264" r:id="rId9"/>
   </p:sldIdLst>
   <p:sldSz cx="12192000" cy="6858000"/>
   <p:notesSz cx="6858000" cy="9144000"/>
@@ -245,7 +250,7 @@
           <a:p>
             <a:fld id="{983DCAF8-A312-43F8-8681-8DD76199E643}" type="datetimeFigureOut">
               <a:rPr lang="en-IN" smtClean="0"/>
-              <a:t>27-01-2022</a:t>
+              <a:t>31-01-2022</a:t>
             </a:fld>
             <a:endParaRPr lang="en-IN"/>
           </a:p>
@@ -415,7 +420,7 @@
           <a:p>
             <a:fld id="{983DCAF8-A312-43F8-8681-8DD76199E643}" type="datetimeFigureOut">
               <a:rPr lang="en-IN" smtClean="0"/>
-              <a:t>27-01-2022</a:t>
+              <a:t>31-01-2022</a:t>
             </a:fld>
             <a:endParaRPr lang="en-IN"/>
           </a:p>
@@ -595,7 +600,7 @@
           <a:p>
             <a:fld id="{983DCAF8-A312-43F8-8681-8DD76199E643}" type="datetimeFigureOut">
               <a:rPr lang="en-IN" smtClean="0"/>
-              <a:t>27-01-2022</a:t>
+              <a:t>31-01-2022</a:t>
             </a:fld>
             <a:endParaRPr lang="en-IN"/>
           </a:p>
@@ -765,7 +770,7 @@
           <a:p>
             <a:fld id="{983DCAF8-A312-43F8-8681-8DD76199E643}" type="datetimeFigureOut">
               <a:rPr lang="en-IN" smtClean="0"/>
-              <a:t>27-01-2022</a:t>
+              <a:t>31-01-2022</a:t>
             </a:fld>
             <a:endParaRPr lang="en-IN"/>
           </a:p>
@@ -1011,7 +1016,7 @@
           <a:p>
             <a:fld id="{983DCAF8-A312-43F8-8681-8DD76199E643}" type="datetimeFigureOut">
               <a:rPr lang="en-IN" smtClean="0"/>
-              <a:t>27-01-2022</a:t>
+              <a:t>31-01-2022</a:t>
             </a:fld>
             <a:endParaRPr lang="en-IN"/>
           </a:p>
@@ -1243,7 +1248,7 @@
           <a:p>
             <a:fld id="{983DCAF8-A312-43F8-8681-8DD76199E643}" type="datetimeFigureOut">
               <a:rPr lang="en-IN" smtClean="0"/>
-              <a:t>27-01-2022</a:t>
+              <a:t>31-01-2022</a:t>
             </a:fld>
             <a:endParaRPr lang="en-IN"/>
           </a:p>
@@ -1610,7 +1615,7 @@
           <a:p>
             <a:fld id="{983DCAF8-A312-43F8-8681-8DD76199E643}" type="datetimeFigureOut">
               <a:rPr lang="en-IN" smtClean="0"/>
-              <a:t>27-01-2022</a:t>
+              <a:t>31-01-2022</a:t>
             </a:fld>
             <a:endParaRPr lang="en-IN"/>
           </a:p>
@@ -1728,7 +1733,7 @@
           <a:p>
             <a:fld id="{983DCAF8-A312-43F8-8681-8DD76199E643}" type="datetimeFigureOut">
               <a:rPr lang="en-IN" smtClean="0"/>
-              <a:t>27-01-2022</a:t>
+              <a:t>31-01-2022</a:t>
             </a:fld>
             <a:endParaRPr lang="en-IN"/>
           </a:p>
@@ -1823,7 +1828,7 @@
           <a:p>
             <a:fld id="{983DCAF8-A312-43F8-8681-8DD76199E643}" type="datetimeFigureOut">
               <a:rPr lang="en-IN" smtClean="0"/>
-              <a:t>27-01-2022</a:t>
+              <a:t>31-01-2022</a:t>
             </a:fld>
             <a:endParaRPr lang="en-IN"/>
           </a:p>
@@ -2100,7 +2105,7 @@
           <a:p>
             <a:fld id="{983DCAF8-A312-43F8-8681-8DD76199E643}" type="datetimeFigureOut">
               <a:rPr lang="en-IN" smtClean="0"/>
-              <a:t>27-01-2022</a:t>
+              <a:t>31-01-2022</a:t>
             </a:fld>
             <a:endParaRPr lang="en-IN"/>
           </a:p>
@@ -2353,7 +2358,7 @@
           <a:p>
             <a:fld id="{983DCAF8-A312-43F8-8681-8DD76199E643}" type="datetimeFigureOut">
               <a:rPr lang="en-IN" smtClean="0"/>
-              <a:t>27-01-2022</a:t>
+              <a:t>31-01-2022</a:t>
             </a:fld>
             <a:endParaRPr lang="en-IN"/>
           </a:p>
@@ -2566,7 +2571,7 @@
           <a:p>
             <a:fld id="{983DCAF8-A312-43F8-8681-8DD76199E643}" type="datetimeFigureOut">
               <a:rPr lang="en-IN" smtClean="0"/>
-              <a:t>27-01-2022</a:t>
+              <a:t>31-01-2022</a:t>
             </a:fld>
             <a:endParaRPr lang="en-IN"/>
           </a:p>
@@ -5895,6 +5900,568 @@
 </p:sld>
 </file>
 
+<file path=ppt/slides/slide4.xml><?xml version="1.0" encoding="utf-8"?>
+<p:sld xmlns:a="http://schemas.openxmlformats.org/drawingml/2006/main" xmlns:r="http://schemas.openxmlformats.org/officeDocument/2006/relationships" xmlns:p="http://schemas.openxmlformats.org/presentationml/2006/main">
+  <p:cSld>
+    <p:spTree>
+      <p:nvGrpSpPr>
+        <p:cNvPr id="1" name=""/>
+        <p:cNvGrpSpPr/>
+        <p:nvPr/>
+      </p:nvGrpSpPr>
+      <p:grpSpPr>
+        <a:xfrm>
+          <a:off x="0" y="0"/>
+          <a:ext cx="0" cy="0"/>
+          <a:chOff x="0" y="0"/>
+          <a:chExt cx="0" cy="0"/>
+        </a:xfrm>
+      </p:grpSpPr>
+      <p:pic>
+        <p:nvPicPr>
+          <p:cNvPr id="2" name="Picture 1"/>
+          <p:cNvPicPr>
+            <a:picLocks noChangeAspect="1"/>
+          </p:cNvPicPr>
+          <p:nvPr/>
+        </p:nvPicPr>
+        <p:blipFill>
+          <a:blip r:embed="rId2">
+            <a:extLst>
+              <a:ext uri="{28A0092B-C50C-407E-A947-70E740481C1C}">
+                <a14:useLocalDpi xmlns:a14="http://schemas.microsoft.com/office/drawing/2010/main" val="0"/>
+              </a:ext>
+            </a:extLst>
+          </a:blip>
+          <a:stretch>
+            <a:fillRect/>
+          </a:stretch>
+        </p:blipFill>
+        <p:spPr>
+          <a:xfrm>
+            <a:off x="1856096" y="1281112"/>
+            <a:ext cx="6864041" cy="4295775"/>
+          </a:xfrm>
+          <a:prstGeom prst="rect">
+            <a:avLst/>
+          </a:prstGeom>
+        </p:spPr>
+      </p:pic>
+      <p:sp>
+        <p:nvSpPr>
+          <p:cNvPr id="3" name="TextBox 2"/>
+          <p:cNvSpPr txBox="1"/>
+          <p:nvPr/>
+        </p:nvSpPr>
+        <p:spPr>
+          <a:xfrm>
+            <a:off x="4630473" y="270493"/>
+            <a:ext cx="1292777" cy="338554"/>
+          </a:xfrm>
+          <a:prstGeom prst="rect">
+            <a:avLst/>
+          </a:prstGeom>
+          <a:noFill/>
+        </p:spPr>
+        <p:txBody>
+          <a:bodyPr wrap="square" rtlCol="0">
+            <a:spAutoFit/>
+          </a:bodyPr>
+          <a:lstStyle/>
+          <a:p>
+            <a:r>
+              <a:rPr lang="en-US" sz="1600" b="1" u="sng" dirty="0" err="1" smtClean="0">
+                <a:solidFill>
+                  <a:srgbClr val="FF0000"/>
+                </a:solidFill>
+              </a:rPr>
+              <a:t>Oauth</a:t>
+            </a:r>
+            <a:r>
+              <a:rPr lang="en-US" sz="1600" b="1" u="sng" dirty="0" smtClean="0">
+                <a:solidFill>
+                  <a:srgbClr val="FF0000"/>
+                </a:solidFill>
+              </a:rPr>
+              <a:t> Flow</a:t>
+            </a:r>
+            <a:endParaRPr lang="en-IN" sz="1600" b="1" u="sng" dirty="0">
+              <a:solidFill>
+                <a:srgbClr val="FF0000"/>
+              </a:solidFill>
+            </a:endParaRPr>
+          </a:p>
+        </p:txBody>
+      </p:sp>
+    </p:spTree>
+    <p:extLst>
+      <p:ext uri="{BB962C8B-B14F-4D97-AF65-F5344CB8AC3E}">
+        <p14:creationId xmlns:p14="http://schemas.microsoft.com/office/powerpoint/2010/main" val="3802115821"/>
+      </p:ext>
+    </p:extLst>
+  </p:cSld>
+  <p:clrMapOvr>
+    <a:masterClrMapping/>
+  </p:clrMapOvr>
+</p:sld>
+</file>
+
+<file path=ppt/slides/slide5.xml><?xml version="1.0" encoding="utf-8"?>
+<p:sld xmlns:a="http://schemas.openxmlformats.org/drawingml/2006/main" xmlns:r="http://schemas.openxmlformats.org/officeDocument/2006/relationships" xmlns:p="http://schemas.openxmlformats.org/presentationml/2006/main">
+  <p:cSld>
+    <p:spTree>
+      <p:nvGrpSpPr>
+        <p:cNvPr id="1" name=""/>
+        <p:cNvGrpSpPr/>
+        <p:nvPr/>
+      </p:nvGrpSpPr>
+      <p:grpSpPr>
+        <a:xfrm>
+          <a:off x="0" y="0"/>
+          <a:ext cx="0" cy="0"/>
+          <a:chOff x="0" y="0"/>
+          <a:chExt cx="0" cy="0"/>
+        </a:xfrm>
+      </p:grpSpPr>
+      <p:pic>
+        <p:nvPicPr>
+          <p:cNvPr id="2" name="Picture 1"/>
+          <p:cNvPicPr>
+            <a:picLocks noChangeAspect="1"/>
+          </p:cNvPicPr>
+          <p:nvPr/>
+        </p:nvPicPr>
+        <p:blipFill>
+          <a:blip r:embed="rId2">
+            <a:extLst>
+              <a:ext uri="{28A0092B-C50C-407E-A947-70E740481C1C}">
+                <a14:useLocalDpi xmlns:a14="http://schemas.microsoft.com/office/drawing/2010/main" val="0"/>
+              </a:ext>
+            </a:extLst>
+          </a:blip>
+          <a:stretch>
+            <a:fillRect/>
+          </a:stretch>
+        </p:blipFill>
+        <p:spPr>
+          <a:xfrm>
+            <a:off x="2605087" y="538162"/>
+            <a:ext cx="8395009" cy="5781675"/>
+          </a:xfrm>
+          <a:prstGeom prst="rect">
+            <a:avLst/>
+          </a:prstGeom>
+        </p:spPr>
+      </p:pic>
+      <p:sp>
+        <p:nvSpPr>
+          <p:cNvPr id="3" name="TextBox 2"/>
+          <p:cNvSpPr txBox="1"/>
+          <p:nvPr/>
+        </p:nvSpPr>
+        <p:spPr>
+          <a:xfrm>
+            <a:off x="3484061" y="368885"/>
+            <a:ext cx="3926673" cy="338554"/>
+          </a:xfrm>
+          <a:prstGeom prst="rect">
+            <a:avLst/>
+          </a:prstGeom>
+          <a:noFill/>
+        </p:spPr>
+        <p:txBody>
+          <a:bodyPr wrap="square" rtlCol="0">
+            <a:spAutoFit/>
+          </a:bodyPr>
+          <a:lstStyle/>
+          <a:p>
+            <a:r>
+              <a:rPr lang="en-US" sz="1600" b="1" u="sng" dirty="0" err="1" smtClean="0">
+                <a:solidFill>
+                  <a:srgbClr val="FF0000"/>
+                </a:solidFill>
+              </a:rPr>
+              <a:t>Oauth</a:t>
+            </a:r>
+            <a:r>
+              <a:rPr lang="en-US" sz="1600" b="1" u="sng" dirty="0" smtClean="0">
+                <a:solidFill>
+                  <a:srgbClr val="FF0000"/>
+                </a:solidFill>
+              </a:rPr>
+              <a:t> </a:t>
+            </a:r>
+            <a:r>
+              <a:rPr lang="en-US" sz="1600" b="1" u="sng" dirty="0" smtClean="0">
+                <a:solidFill>
+                  <a:srgbClr val="FF0000"/>
+                </a:solidFill>
+              </a:rPr>
+              <a:t>Flow with Grant Type = Password</a:t>
+            </a:r>
+            <a:endParaRPr lang="en-IN" sz="1600" b="1" u="sng" dirty="0">
+              <a:solidFill>
+                <a:srgbClr val="FF0000"/>
+              </a:solidFill>
+            </a:endParaRPr>
+          </a:p>
+        </p:txBody>
+      </p:sp>
+    </p:spTree>
+    <p:extLst>
+      <p:ext uri="{BB962C8B-B14F-4D97-AF65-F5344CB8AC3E}">
+        <p14:creationId xmlns:p14="http://schemas.microsoft.com/office/powerpoint/2010/main" val="2062828351"/>
+      </p:ext>
+    </p:extLst>
+  </p:cSld>
+  <p:clrMapOvr>
+    <a:masterClrMapping/>
+  </p:clrMapOvr>
+</p:sld>
+</file>
+
+<file path=ppt/slides/slide6.xml><?xml version="1.0" encoding="utf-8"?>
+<p:sld xmlns:a="http://schemas.openxmlformats.org/drawingml/2006/main" xmlns:r="http://schemas.openxmlformats.org/officeDocument/2006/relationships" xmlns:p="http://schemas.openxmlformats.org/presentationml/2006/main">
+  <p:cSld>
+    <p:spTree>
+      <p:nvGrpSpPr>
+        <p:cNvPr id="1" name=""/>
+        <p:cNvGrpSpPr/>
+        <p:nvPr/>
+      </p:nvGrpSpPr>
+      <p:grpSpPr>
+        <a:xfrm>
+          <a:off x="0" y="0"/>
+          <a:ext cx="0" cy="0"/>
+          <a:chOff x="0" y="0"/>
+          <a:chExt cx="0" cy="0"/>
+        </a:xfrm>
+      </p:grpSpPr>
+      <p:pic>
+        <p:nvPicPr>
+          <p:cNvPr id="2" name="Picture 1"/>
+          <p:cNvPicPr>
+            <a:picLocks noChangeAspect="1"/>
+          </p:cNvPicPr>
+          <p:nvPr/>
+        </p:nvPicPr>
+        <p:blipFill>
+          <a:blip r:embed="rId2">
+            <a:extLst>
+              <a:ext uri="{28A0092B-C50C-407E-A947-70E740481C1C}">
+                <a14:useLocalDpi xmlns:a14="http://schemas.microsoft.com/office/drawing/2010/main" val="0"/>
+              </a:ext>
+            </a:extLst>
+          </a:blip>
+          <a:stretch>
+            <a:fillRect/>
+          </a:stretch>
+        </p:blipFill>
+        <p:spPr>
+          <a:xfrm>
+            <a:off x="1312318" y="1974731"/>
+            <a:ext cx="7845330" cy="3590925"/>
+          </a:xfrm>
+          <a:prstGeom prst="rect">
+            <a:avLst/>
+          </a:prstGeom>
+        </p:spPr>
+      </p:pic>
+      <p:sp>
+        <p:nvSpPr>
+          <p:cNvPr id="3" name="TextBox 2"/>
+          <p:cNvSpPr txBox="1"/>
+          <p:nvPr/>
+        </p:nvSpPr>
+        <p:spPr>
+          <a:xfrm>
+            <a:off x="3484061" y="368885"/>
+            <a:ext cx="3926673" cy="338554"/>
+          </a:xfrm>
+          <a:prstGeom prst="rect">
+            <a:avLst/>
+          </a:prstGeom>
+          <a:noFill/>
+        </p:spPr>
+        <p:txBody>
+          <a:bodyPr wrap="square" rtlCol="0">
+            <a:spAutoFit/>
+          </a:bodyPr>
+          <a:lstStyle/>
+          <a:p>
+            <a:r>
+              <a:rPr lang="en-US" sz="1600" b="1" u="sng" dirty="0" err="1" smtClean="0">
+                <a:solidFill>
+                  <a:srgbClr val="FF0000"/>
+                </a:solidFill>
+              </a:rPr>
+              <a:t>Oauth</a:t>
+            </a:r>
+            <a:r>
+              <a:rPr lang="en-US" sz="1600" b="1" u="sng" dirty="0" smtClean="0">
+                <a:solidFill>
+                  <a:srgbClr val="FF0000"/>
+                </a:solidFill>
+              </a:rPr>
+              <a:t> </a:t>
+            </a:r>
+            <a:r>
+              <a:rPr lang="en-US" sz="1600" b="1" u="sng" dirty="0" smtClean="0">
+                <a:solidFill>
+                  <a:srgbClr val="FF0000"/>
+                </a:solidFill>
+              </a:rPr>
+              <a:t>Flow with Grant Type = implicit</a:t>
+            </a:r>
+            <a:endParaRPr lang="en-IN" sz="1600" b="1" u="sng" dirty="0">
+              <a:solidFill>
+                <a:srgbClr val="FF0000"/>
+              </a:solidFill>
+            </a:endParaRPr>
+          </a:p>
+        </p:txBody>
+      </p:sp>
+    </p:spTree>
+    <p:extLst>
+      <p:ext uri="{BB962C8B-B14F-4D97-AF65-F5344CB8AC3E}">
+        <p14:creationId xmlns:p14="http://schemas.microsoft.com/office/powerpoint/2010/main" val="1401666881"/>
+      </p:ext>
+    </p:extLst>
+  </p:cSld>
+  <p:clrMapOvr>
+    <a:masterClrMapping/>
+  </p:clrMapOvr>
+</p:sld>
+</file>
+
+<file path=ppt/slides/slide7.xml><?xml version="1.0" encoding="utf-8"?>
+<p:sld xmlns:a="http://schemas.openxmlformats.org/drawingml/2006/main" xmlns:r="http://schemas.openxmlformats.org/officeDocument/2006/relationships" xmlns:p="http://schemas.openxmlformats.org/presentationml/2006/main">
+  <p:cSld>
+    <p:spTree>
+      <p:nvGrpSpPr>
+        <p:cNvPr id="1" name=""/>
+        <p:cNvGrpSpPr/>
+        <p:nvPr/>
+      </p:nvGrpSpPr>
+      <p:grpSpPr>
+        <a:xfrm>
+          <a:off x="0" y="0"/>
+          <a:ext cx="0" cy="0"/>
+          <a:chOff x="0" y="0"/>
+          <a:chExt cx="0" cy="0"/>
+        </a:xfrm>
+      </p:grpSpPr>
+      <p:pic>
+        <p:nvPicPr>
+          <p:cNvPr id="2" name="Picture 1"/>
+          <p:cNvPicPr>
+            <a:picLocks noChangeAspect="1"/>
+          </p:cNvPicPr>
+          <p:nvPr/>
+        </p:nvPicPr>
+        <p:blipFill>
+          <a:blip r:embed="rId2">
+            <a:extLst>
+              <a:ext uri="{28A0092B-C50C-407E-A947-70E740481C1C}">
+                <a14:useLocalDpi xmlns:a14="http://schemas.microsoft.com/office/drawing/2010/main" val="0"/>
+              </a:ext>
+            </a:extLst>
+          </a:blip>
+          <a:stretch>
+            <a:fillRect/>
+          </a:stretch>
+        </p:blipFill>
+        <p:spPr>
+          <a:xfrm>
+            <a:off x="2108010" y="1929238"/>
+            <a:ext cx="7964038" cy="4200525"/>
+          </a:xfrm>
+          <a:prstGeom prst="rect">
+            <a:avLst/>
+          </a:prstGeom>
+        </p:spPr>
+      </p:pic>
+      <p:sp>
+        <p:nvSpPr>
+          <p:cNvPr id="3" name="TextBox 2"/>
+          <p:cNvSpPr txBox="1"/>
+          <p:nvPr/>
+        </p:nvSpPr>
+        <p:spPr>
+          <a:xfrm>
+            <a:off x="3484061" y="368885"/>
+            <a:ext cx="4568118" cy="338554"/>
+          </a:xfrm>
+          <a:prstGeom prst="rect">
+            <a:avLst/>
+          </a:prstGeom>
+          <a:noFill/>
+        </p:spPr>
+        <p:txBody>
+          <a:bodyPr wrap="square" rtlCol="0">
+            <a:spAutoFit/>
+          </a:bodyPr>
+          <a:lstStyle/>
+          <a:p>
+            <a:r>
+              <a:rPr lang="en-US" sz="1600" b="1" u="sng" dirty="0" err="1" smtClean="0">
+                <a:solidFill>
+                  <a:srgbClr val="FF0000"/>
+                </a:solidFill>
+              </a:rPr>
+              <a:t>Oauth</a:t>
+            </a:r>
+            <a:r>
+              <a:rPr lang="en-US" sz="1600" b="1" u="sng" dirty="0" smtClean="0">
+                <a:solidFill>
+                  <a:srgbClr val="FF0000"/>
+                </a:solidFill>
+              </a:rPr>
+              <a:t> </a:t>
+            </a:r>
+            <a:r>
+              <a:rPr lang="en-US" sz="1600" b="1" u="sng" dirty="0" smtClean="0">
+                <a:solidFill>
+                  <a:srgbClr val="FF0000"/>
+                </a:solidFill>
+              </a:rPr>
+              <a:t>Flow with Grant Type = authorization code</a:t>
+            </a:r>
+            <a:endParaRPr lang="en-IN" sz="1600" b="1" u="sng" dirty="0">
+              <a:solidFill>
+                <a:srgbClr val="FF0000"/>
+              </a:solidFill>
+            </a:endParaRPr>
+          </a:p>
+        </p:txBody>
+      </p:sp>
+    </p:spTree>
+    <p:extLst>
+      <p:ext uri="{BB962C8B-B14F-4D97-AF65-F5344CB8AC3E}">
+        <p14:creationId xmlns:p14="http://schemas.microsoft.com/office/powerpoint/2010/main" val="1474901065"/>
+      </p:ext>
+    </p:extLst>
+  </p:cSld>
+  <p:clrMapOvr>
+    <a:masterClrMapping/>
+  </p:clrMapOvr>
+</p:sld>
+</file>
+
+<file path=ppt/slides/slide8.xml><?xml version="1.0" encoding="utf-8"?>
+<p:sld xmlns:a="http://schemas.openxmlformats.org/drawingml/2006/main" xmlns:r="http://schemas.openxmlformats.org/officeDocument/2006/relationships" xmlns:p="http://schemas.openxmlformats.org/presentationml/2006/main">
+  <p:cSld>
+    <p:spTree>
+      <p:nvGrpSpPr>
+        <p:cNvPr id="1" name=""/>
+        <p:cNvGrpSpPr/>
+        <p:nvPr/>
+      </p:nvGrpSpPr>
+      <p:grpSpPr>
+        <a:xfrm>
+          <a:off x="0" y="0"/>
+          <a:ext cx="0" cy="0"/>
+          <a:chOff x="0" y="0"/>
+          <a:chExt cx="0" cy="0"/>
+        </a:xfrm>
+      </p:grpSpPr>
+      <p:pic>
+        <p:nvPicPr>
+          <p:cNvPr id="2" name="Picture 1"/>
+          <p:cNvPicPr>
+            <a:picLocks noChangeAspect="1"/>
+          </p:cNvPicPr>
+          <p:nvPr/>
+        </p:nvPicPr>
+        <p:blipFill>
+          <a:blip r:embed="rId2">
+            <a:extLst>
+              <a:ext uri="{28A0092B-C50C-407E-A947-70E740481C1C}">
+                <a14:useLocalDpi xmlns:a14="http://schemas.microsoft.com/office/drawing/2010/main" val="0"/>
+              </a:ext>
+            </a:extLst>
+          </a:blip>
+          <a:stretch>
+            <a:fillRect/>
+          </a:stretch>
+        </p:blipFill>
+        <p:spPr>
+          <a:xfrm>
+            <a:off x="1008582" y="2289909"/>
+            <a:ext cx="8012587" cy="3890895"/>
+          </a:xfrm>
+          <a:prstGeom prst="rect">
+            <a:avLst/>
+          </a:prstGeom>
+        </p:spPr>
+      </p:pic>
+      <p:sp>
+        <p:nvSpPr>
+          <p:cNvPr id="3" name="TextBox 2"/>
+          <p:cNvSpPr txBox="1"/>
+          <p:nvPr/>
+        </p:nvSpPr>
+        <p:spPr>
+          <a:xfrm>
+            <a:off x="3484061" y="368885"/>
+            <a:ext cx="4568118" cy="338554"/>
+          </a:xfrm>
+          <a:prstGeom prst="rect">
+            <a:avLst/>
+          </a:prstGeom>
+          <a:noFill/>
+        </p:spPr>
+        <p:txBody>
+          <a:bodyPr wrap="square" rtlCol="0">
+            <a:spAutoFit/>
+          </a:bodyPr>
+          <a:lstStyle/>
+          <a:p>
+            <a:r>
+              <a:rPr lang="en-US" sz="1600" b="1" dirty="0" err="1" smtClean="0">
+                <a:solidFill>
+                  <a:srgbClr val="FF0000"/>
+                </a:solidFill>
+              </a:rPr>
+              <a:t>Oauth</a:t>
+            </a:r>
+            <a:r>
+              <a:rPr lang="en-US" sz="1600" b="1" dirty="0" smtClean="0">
+                <a:solidFill>
+                  <a:srgbClr val="FF0000"/>
+                </a:solidFill>
+              </a:rPr>
+              <a:t> </a:t>
+            </a:r>
+            <a:r>
+              <a:rPr lang="en-US" sz="1600" b="1" dirty="0" smtClean="0">
+                <a:solidFill>
+                  <a:srgbClr val="FF0000"/>
+                </a:solidFill>
+              </a:rPr>
+              <a:t>Flow with Grant Type = client_credentials</a:t>
+            </a:r>
+            <a:endParaRPr lang="en-IN" sz="1600" b="1" dirty="0">
+              <a:solidFill>
+                <a:srgbClr val="FF0000"/>
+              </a:solidFill>
+            </a:endParaRPr>
+          </a:p>
+        </p:txBody>
+      </p:sp>
+    </p:spTree>
+    <p:extLst>
+      <p:ext uri="{BB962C8B-B14F-4D97-AF65-F5344CB8AC3E}">
+        <p14:creationId xmlns:p14="http://schemas.microsoft.com/office/powerpoint/2010/main" val="3520286530"/>
+      </p:ext>
+    </p:extLst>
+  </p:cSld>
+  <p:clrMapOvr>
+    <a:masterClrMapping/>
+  </p:clrMapOvr>
+</p:sld>
+</file>
+
 <file path=ppt/theme/theme1.xml><?xml version="1.0" encoding="utf-8"?>
 <a:theme xmlns:a="http://schemas.openxmlformats.org/drawingml/2006/main" name="Office Theme">
   <a:themeElements>
